--- a/Discover/Final Project Pitch 1.pptx
+++ b/Discover/Final Project Pitch 1.pptx
@@ -275,7 +275,7 @@
           <a:p>
             <a:fld id="{4EC743F4-8769-40B4-85DF-6CB8DE9F66AA}" type="datetimeFigureOut">
               <a:rPr lang="en-US" smtClean="0"/>
-              <a:t>10/30/2024</a:t>
+              <a:t>11/11/2024</a:t>
             </a:fld>
             <a:endParaRPr lang="en-US"/>
           </a:p>
@@ -818,7 +818,7 @@
           <a:p>
             <a:fld id="{4EC743F4-8769-40B4-85DF-6CB8DE9F66AA}" type="datetimeFigureOut">
               <a:rPr lang="en-US" smtClean="0"/>
-              <a:t>10/30/2024</a:t>
+              <a:t>11/11/2024</a:t>
             </a:fld>
             <a:endParaRPr lang="en-US"/>
           </a:p>
@@ -1026,7 +1026,7 @@
           <a:p>
             <a:fld id="{4EC743F4-8769-40B4-85DF-6CB8DE9F66AA}" type="datetimeFigureOut">
               <a:rPr lang="en-US" smtClean="0"/>
-              <a:t>10/30/2024</a:t>
+              <a:t>11/11/2024</a:t>
             </a:fld>
             <a:endParaRPr lang="en-US"/>
           </a:p>
@@ -1225,7 +1225,7 @@
           <a:p>
             <a:fld id="{4EC743F4-8769-40B4-85DF-6CB8DE9F66AA}" type="datetimeFigureOut">
               <a:rPr lang="en-US" smtClean="0"/>
-              <a:t>10/30/2024</a:t>
+              <a:t>11/11/2024</a:t>
             </a:fld>
             <a:endParaRPr lang="en-US"/>
           </a:p>
@@ -1508,7 +1508,7 @@
           <a:p>
             <a:fld id="{4EC743F4-8769-40B4-85DF-6CB8DE9F66AA}" type="datetimeFigureOut">
               <a:rPr lang="en-US" smtClean="0"/>
-              <a:t>10/30/2024</a:t>
+              <a:t>11/11/2024</a:t>
             </a:fld>
             <a:endParaRPr lang="en-US" dirty="0"/>
           </a:p>
@@ -2459,7 +2459,7 @@
           <a:p>
             <a:fld id="{4EC743F4-8769-40B4-85DF-6CB8DE9F66AA}" type="datetimeFigureOut">
               <a:rPr lang="en-US" smtClean="0"/>
-              <a:t>10/30/2024</a:t>
+              <a:t>11/11/2024</a:t>
             </a:fld>
             <a:endParaRPr lang="en-US"/>
           </a:p>
@@ -2878,7 +2878,7 @@
           <a:p>
             <a:fld id="{4EC743F4-8769-40B4-85DF-6CB8DE9F66AA}" type="datetimeFigureOut">
               <a:rPr lang="en-US" smtClean="0"/>
-              <a:t>10/30/2024</a:t>
+              <a:t>11/11/2024</a:t>
             </a:fld>
             <a:endParaRPr lang="en-US"/>
           </a:p>
@@ -3019,7 +3019,7 @@
           <a:p>
             <a:fld id="{4EC743F4-8769-40B4-85DF-6CB8DE9F66AA}" type="datetimeFigureOut">
               <a:rPr lang="en-US" smtClean="0"/>
-              <a:t>10/30/2024</a:t>
+              <a:t>11/11/2024</a:t>
             </a:fld>
             <a:endParaRPr lang="en-US"/>
           </a:p>
@@ -3132,7 +3132,7 @@
           <a:p>
             <a:fld id="{4EC743F4-8769-40B4-85DF-6CB8DE9F66AA}" type="datetimeFigureOut">
               <a:rPr lang="en-US" smtClean="0"/>
-              <a:t>10/30/2024</a:t>
+              <a:t>11/11/2024</a:t>
             </a:fld>
             <a:endParaRPr lang="en-US"/>
           </a:p>
@@ -3449,7 +3449,7 @@
           <a:p>
             <a:fld id="{4EC743F4-8769-40B4-85DF-6CB8DE9F66AA}" type="datetimeFigureOut">
               <a:rPr lang="en-US" smtClean="0"/>
-              <a:t>10/30/2024</a:t>
+              <a:t>11/11/2024</a:t>
             </a:fld>
             <a:endParaRPr lang="en-US"/>
           </a:p>
@@ -3794,7 +3794,7 @@
           <a:p>
             <a:fld id="{4EC743F4-8769-40B4-85DF-6CB8DE9F66AA}" type="datetimeFigureOut">
               <a:rPr lang="en-US" smtClean="0"/>
-              <a:t>10/30/2024</a:t>
+              <a:t>11/11/2024</a:t>
             </a:fld>
             <a:endParaRPr lang="en-US"/>
           </a:p>
@@ -4089,7 +4089,7 @@
             <a:fld id="{4EC743F4-8769-40B4-85DF-6CB8DE9F66AA}" type="datetimeFigureOut">
               <a:rPr lang="en-US" smtClean="0"/>
               <a:pPr/>
-              <a:t>10/30/2024</a:t>
+              <a:t>11/11/2024</a:t>
             </a:fld>
             <a:endParaRPr lang="en-US" dirty="0"/>
           </a:p>
@@ -5448,57 +5448,6 @@
             </a:r>
             <a:endParaRPr lang="de-DE" dirty="0"/>
           </a:p>
-          <a:p>
-            <a:r>
-              <a:rPr lang="de-DE" dirty="0"/>
-              <a:t>Want to </a:t>
-            </a:r>
-            <a:r>
-              <a:rPr lang="de-DE" dirty="0" err="1"/>
-              <a:t>get</a:t>
-            </a:r>
-            <a:r>
-              <a:rPr lang="de-DE" dirty="0"/>
-              <a:t> to </a:t>
-            </a:r>
-            <a:r>
-              <a:rPr lang="de-DE" dirty="0" err="1"/>
-              <a:t>grips</a:t>
-            </a:r>
-            <a:r>
-              <a:rPr lang="de-DE" dirty="0"/>
-              <a:t> </a:t>
-            </a:r>
-            <a:r>
-              <a:rPr lang="de-DE" dirty="0" err="1"/>
-              <a:t>with</a:t>
-            </a:r>
-            <a:r>
-              <a:rPr lang="de-DE" dirty="0"/>
-              <a:t> </a:t>
-            </a:r>
-            <a:r>
-              <a:rPr lang="de-DE" dirty="0" err="1"/>
-              <a:t>higher</a:t>
-            </a:r>
-            <a:r>
-              <a:rPr lang="de-DE" dirty="0"/>
-              <a:t> dimensional </a:t>
-            </a:r>
-            <a:r>
-              <a:rPr lang="de-DE" dirty="0" err="1"/>
-              <a:t>math</a:t>
-            </a:r>
-            <a:r>
-              <a:rPr lang="de-DE" dirty="0"/>
-              <a:t>/</a:t>
-            </a:r>
-            <a:r>
-              <a:rPr lang="de-DE" dirty="0" err="1"/>
-              <a:t>thinking</a:t>
-            </a:r>
-            <a:endParaRPr lang="de-DE" dirty="0"/>
-          </a:p>
         </p:txBody>
       </p:sp>
     </p:spTree>
@@ -6128,6 +6077,326 @@
           </a:prstGeom>
         </p:spPr>
       </p:pic>
+      <p:pic>
+        <p:nvPicPr>
+          <p:cNvPr id="4" name="Grafik 3">
+            <a:extLst>
+              <a:ext uri="{FF2B5EF4-FFF2-40B4-BE49-F238E27FC236}">
+                <a16:creationId xmlns:a16="http://schemas.microsoft.com/office/drawing/2014/main" id="{E62322A2-0E94-52E7-2EB1-9163FF914ACB}"/>
+              </a:ext>
+            </a:extLst>
+          </p:cNvPr>
+          <p:cNvPicPr>
+            <a:picLocks noChangeAspect="1"/>
+          </p:cNvPicPr>
+          <p:nvPr/>
+        </p:nvPicPr>
+        <p:blipFill>
+          <a:blip r:embed="rId4"/>
+          <a:stretch>
+            <a:fillRect/>
+          </a:stretch>
+        </p:blipFill>
+        <p:spPr>
+          <a:xfrm>
+            <a:off x="634865" y="1863455"/>
+            <a:ext cx="10649508" cy="3124661"/>
+          </a:xfrm>
+          <a:prstGeom prst="rect">
+            <a:avLst/>
+          </a:prstGeom>
+        </p:spPr>
+      </p:pic>
+      <p:sp>
+        <p:nvSpPr>
+          <p:cNvPr id="7" name="Textfeld 6">
+            <a:extLst>
+              <a:ext uri="{FF2B5EF4-FFF2-40B4-BE49-F238E27FC236}">
+                <a16:creationId xmlns:a16="http://schemas.microsoft.com/office/drawing/2014/main" id="{3CA3A997-77EB-E755-9220-99AA471A397C}"/>
+              </a:ext>
+            </a:extLst>
+          </p:cNvPr>
+          <p:cNvSpPr txBox="1"/>
+          <p:nvPr/>
+        </p:nvSpPr>
+        <p:spPr>
+          <a:xfrm>
+            <a:off x="7399025" y="4479224"/>
+            <a:ext cx="3929716" cy="369332"/>
+          </a:xfrm>
+          <a:prstGeom prst="rect">
+            <a:avLst/>
+          </a:prstGeom>
+          <a:noFill/>
+        </p:spPr>
+        <p:txBody>
+          <a:bodyPr wrap="square" rtlCol="0">
+            <a:spAutoFit/>
+          </a:bodyPr>
+          <a:lstStyle/>
+          <a:p>
+            <a:r>
+              <a:rPr lang="de-DE" dirty="0"/>
+              <a:t>https://arxiv.org/abs/cs/0210020</a:t>
+            </a:r>
+          </a:p>
+        </p:txBody>
+      </p:sp>
+      <p:pic>
+        <p:nvPicPr>
+          <p:cNvPr id="10" name="Grafik 9">
+            <a:extLst>
+              <a:ext uri="{FF2B5EF4-FFF2-40B4-BE49-F238E27FC236}">
+                <a16:creationId xmlns:a16="http://schemas.microsoft.com/office/drawing/2014/main" id="{C93897AB-3A8F-196D-11B7-472C58746E7E}"/>
+              </a:ext>
+            </a:extLst>
+          </p:cNvPr>
+          <p:cNvPicPr>
+            <a:picLocks noChangeAspect="1"/>
+          </p:cNvPicPr>
+          <p:nvPr/>
+        </p:nvPicPr>
+        <p:blipFill>
+          <a:blip r:embed="rId5"/>
+          <a:srcRect l="40621" t="12080" r="31040" b="75454"/>
+          <a:stretch/>
+        </p:blipFill>
+        <p:spPr>
+          <a:xfrm>
+            <a:off x="608144" y="2059576"/>
+            <a:ext cx="11042868" cy="2732420"/>
+          </a:xfrm>
+          <a:prstGeom prst="rect">
+            <a:avLst/>
+          </a:prstGeom>
+        </p:spPr>
+      </p:pic>
+      <p:sp>
+        <p:nvSpPr>
+          <p:cNvPr id="11" name="Textfeld 10">
+            <a:extLst>
+              <a:ext uri="{FF2B5EF4-FFF2-40B4-BE49-F238E27FC236}">
+                <a16:creationId xmlns:a16="http://schemas.microsoft.com/office/drawing/2014/main" id="{C7C588AF-F997-7B9C-2A9F-DBD29502C0B2}"/>
+              </a:ext>
+            </a:extLst>
+          </p:cNvPr>
+          <p:cNvSpPr txBox="1"/>
+          <p:nvPr/>
+        </p:nvSpPr>
+        <p:spPr>
+          <a:xfrm>
+            <a:off x="709647" y="6149822"/>
+            <a:ext cx="4639506" cy="707886"/>
+          </a:xfrm>
+          <a:prstGeom prst="rect">
+            <a:avLst/>
+          </a:prstGeom>
+          <a:noFill/>
+        </p:spPr>
+        <p:txBody>
+          <a:bodyPr wrap="square" rtlCol="0">
+            <a:spAutoFit/>
+          </a:bodyPr>
+          <a:lstStyle/>
+          <a:p>
+            <a:r>
+              <a:rPr lang="en-US" sz="800" dirty="0"/>
+              <a:t>Can Playing the Computer Game “Tetris” Reduce the Build-Up of Flashbacks for Trauma? A Proposal from Cognitive Science</a:t>
+            </a:r>
+          </a:p>
+          <a:p>
+            <a:r>
+              <a:rPr lang="en-US" sz="800" dirty="0"/>
+              <a:t>Holmes EA, James EL, Coode-Bate T, </a:t>
+            </a:r>
+            <a:r>
+              <a:rPr lang="en-US" sz="800" dirty="0" err="1"/>
+              <a:t>Deeprose</a:t>
+            </a:r>
+            <a:r>
+              <a:rPr lang="en-US" sz="800" dirty="0"/>
+              <a:t> C (2009) Can Playing the Computer Game “Tetris” Reduce the Build-Up of Flashbacks for Trauma? A Proposal from Cognitive Science. PLOS ONE 4(1): e4153. https://doi.org/10.1371/journal.pone.0004153</a:t>
+            </a:r>
+            <a:endParaRPr lang="de-DE" sz="800" dirty="0"/>
+          </a:p>
+        </p:txBody>
+      </p:sp>
+      <p:sp>
+        <p:nvSpPr>
+          <p:cNvPr id="12" name="Textfeld 11">
+            <a:extLst>
+              <a:ext uri="{FF2B5EF4-FFF2-40B4-BE49-F238E27FC236}">
+                <a16:creationId xmlns:a16="http://schemas.microsoft.com/office/drawing/2014/main" id="{089591FB-5E07-6E12-E3AF-BDDD3A5CC237}"/>
+              </a:ext>
+            </a:extLst>
+          </p:cNvPr>
+          <p:cNvSpPr txBox="1"/>
+          <p:nvPr/>
+        </p:nvSpPr>
+        <p:spPr>
+          <a:xfrm>
+            <a:off x="709647" y="5418863"/>
+            <a:ext cx="3712832" cy="707886"/>
+          </a:xfrm>
+          <a:prstGeom prst="rect">
+            <a:avLst/>
+          </a:prstGeom>
+          <a:noFill/>
+        </p:spPr>
+        <p:txBody>
+          <a:bodyPr wrap="square" rtlCol="0">
+            <a:spAutoFit/>
+          </a:bodyPr>
+          <a:lstStyle/>
+          <a:p>
+            <a:r>
+              <a:rPr lang="de-DE" sz="800" b="0" i="0" dirty="0" err="1">
+                <a:solidFill>
+                  <a:srgbClr val="222222"/>
+                </a:solidFill>
+                <a:effectLst/>
+              </a:rPr>
+              <a:t>Demaine</a:t>
+            </a:r>
+            <a:r>
+              <a:rPr lang="de-DE" sz="800" b="0" i="0" dirty="0">
+                <a:solidFill>
+                  <a:srgbClr val="222222"/>
+                </a:solidFill>
+                <a:effectLst/>
+              </a:rPr>
+              <a:t>, E.D., Hohenberger, S., </a:t>
+            </a:r>
+            <a:r>
+              <a:rPr lang="de-DE" sz="800" b="0" i="0" dirty="0" err="1">
+                <a:solidFill>
+                  <a:srgbClr val="222222"/>
+                </a:solidFill>
+                <a:effectLst/>
+              </a:rPr>
+              <a:t>Liben-Nowell</a:t>
+            </a:r>
+            <a:r>
+              <a:rPr lang="de-DE" sz="800" b="0" i="0" dirty="0">
+                <a:solidFill>
+                  <a:srgbClr val="222222"/>
+                </a:solidFill>
+                <a:effectLst/>
+              </a:rPr>
+              <a:t>, D. (2003). Tetris </a:t>
+            </a:r>
+            <a:r>
+              <a:rPr lang="de-DE" sz="800" b="0" i="0" dirty="0" err="1">
+                <a:solidFill>
+                  <a:srgbClr val="222222"/>
+                </a:solidFill>
+                <a:effectLst/>
+              </a:rPr>
+              <a:t>is</a:t>
+            </a:r>
+            <a:r>
+              <a:rPr lang="de-DE" sz="800" b="0" i="0" dirty="0">
+                <a:solidFill>
+                  <a:srgbClr val="222222"/>
+                </a:solidFill>
+                <a:effectLst/>
+              </a:rPr>
+              <a:t> Hard, Even to </a:t>
+            </a:r>
+            <a:r>
+              <a:rPr lang="de-DE" sz="800" b="0" i="0" dirty="0" err="1">
+                <a:solidFill>
+                  <a:srgbClr val="222222"/>
+                </a:solidFill>
+                <a:effectLst/>
+              </a:rPr>
+              <a:t>Approximate</a:t>
+            </a:r>
+            <a:r>
+              <a:rPr lang="de-DE" sz="800" b="0" i="0" dirty="0">
+                <a:solidFill>
+                  <a:srgbClr val="222222"/>
+                </a:solidFill>
+                <a:effectLst/>
+              </a:rPr>
+              <a:t>. In: Warnow, T., Zhu, B. (</a:t>
+            </a:r>
+            <a:r>
+              <a:rPr lang="de-DE" sz="800" b="0" i="0" dirty="0" err="1">
+                <a:solidFill>
+                  <a:srgbClr val="222222"/>
+                </a:solidFill>
+                <a:effectLst/>
+              </a:rPr>
+              <a:t>eds</a:t>
+            </a:r>
+            <a:r>
+              <a:rPr lang="de-DE" sz="800" b="0" i="0" dirty="0">
+                <a:solidFill>
+                  <a:srgbClr val="222222"/>
+                </a:solidFill>
+                <a:effectLst/>
+              </a:rPr>
+              <a:t>) Computing and </a:t>
+            </a:r>
+            <a:r>
+              <a:rPr lang="de-DE" sz="800" b="0" i="0" dirty="0" err="1">
+                <a:solidFill>
+                  <a:srgbClr val="222222"/>
+                </a:solidFill>
+                <a:effectLst/>
+              </a:rPr>
+              <a:t>Combinatorics</a:t>
+            </a:r>
+            <a:r>
+              <a:rPr lang="de-DE" sz="800" b="0" i="0" dirty="0">
+                <a:solidFill>
+                  <a:srgbClr val="222222"/>
+                </a:solidFill>
+                <a:effectLst/>
+              </a:rPr>
+              <a:t>. COCOON 2003. </a:t>
+            </a:r>
+            <a:r>
+              <a:rPr lang="de-DE" sz="800" b="0" i="0" dirty="0" err="1">
+                <a:solidFill>
+                  <a:srgbClr val="222222"/>
+                </a:solidFill>
+                <a:effectLst/>
+              </a:rPr>
+              <a:t>Lecture</a:t>
+            </a:r>
+            <a:r>
+              <a:rPr lang="de-DE" sz="800" b="0" i="0" dirty="0">
+                <a:solidFill>
+                  <a:srgbClr val="222222"/>
+                </a:solidFill>
+                <a:effectLst/>
+              </a:rPr>
+              <a:t> Notes in Computer Science, </a:t>
+            </a:r>
+            <a:r>
+              <a:rPr lang="de-DE" sz="800" b="0" i="0" dirty="0" err="1">
+                <a:solidFill>
+                  <a:srgbClr val="222222"/>
+                </a:solidFill>
+                <a:effectLst/>
+              </a:rPr>
+              <a:t>vol</a:t>
+            </a:r>
+            <a:r>
+              <a:rPr lang="de-DE" sz="800" b="0" i="0" dirty="0">
+                <a:solidFill>
+                  <a:srgbClr val="222222"/>
+                </a:solidFill>
+                <a:effectLst/>
+              </a:rPr>
+              <a:t> 2697. Springer, Berlin, Heidelberg. https://doi.org/10.1007/3-540-45071-8_36</a:t>
+            </a:r>
+            <a:endParaRPr lang="de-DE" sz="800" dirty="0"/>
+          </a:p>
+        </p:txBody>
+      </p:sp>
     </p:spTree>
     <p:extLst>
       <p:ext uri="{BB962C8B-B14F-4D97-AF65-F5344CB8AC3E}">
@@ -6138,6 +6407,212 @@
   <p:clrMapOvr>
     <a:masterClrMapping/>
   </p:clrMapOvr>
+  <p:timing>
+    <p:tnLst>
+      <p:par>
+        <p:cTn id="1" dur="indefinite" restart="never" nodeType="tmRoot">
+          <p:childTnLst>
+            <p:seq concurrent="1" nextAc="seek">
+              <p:cTn id="2" dur="indefinite" nodeType="mainSeq">
+                <p:childTnLst>
+                  <p:par>
+                    <p:cTn id="3" fill="hold">
+                      <p:stCondLst>
+                        <p:cond delay="indefinite"/>
+                      </p:stCondLst>
+                      <p:childTnLst>
+                        <p:par>
+                          <p:cTn id="4" fill="hold">
+                            <p:stCondLst>
+                              <p:cond delay="0"/>
+                            </p:stCondLst>
+                            <p:childTnLst>
+                              <p:par>
+                                <p:cTn id="5" presetID="1" presetClass="entr" presetSubtype="0" fill="hold" grpId="0" nodeType="clickEffect">
+                                  <p:stCondLst>
+                                    <p:cond delay="0"/>
+                                  </p:stCondLst>
+                                  <p:childTnLst>
+                                    <p:set>
+                                      <p:cBhvr>
+                                        <p:cTn id="6" dur="1" fill="hold">
+                                          <p:stCondLst>
+                                            <p:cond delay="0"/>
+                                          </p:stCondLst>
+                                        </p:cTn>
+                                        <p:tgtEl>
+                                          <p:spTgt spid="7"/>
+                                        </p:tgtEl>
+                                        <p:attrNameLst>
+                                          <p:attrName>style.visibility</p:attrName>
+                                        </p:attrNameLst>
+                                      </p:cBhvr>
+                                      <p:to>
+                                        <p:strVal val="visible"/>
+                                      </p:to>
+                                    </p:set>
+                                  </p:childTnLst>
+                                </p:cTn>
+                              </p:par>
+                              <p:par>
+                                <p:cTn id="7" presetID="1" presetClass="entr" presetSubtype="0" fill="hold" nodeType="withEffect">
+                                  <p:stCondLst>
+                                    <p:cond delay="0"/>
+                                  </p:stCondLst>
+                                  <p:childTnLst>
+                                    <p:set>
+                                      <p:cBhvr>
+                                        <p:cTn id="8" dur="1" fill="hold">
+                                          <p:stCondLst>
+                                            <p:cond delay="0"/>
+                                          </p:stCondLst>
+                                        </p:cTn>
+                                        <p:tgtEl>
+                                          <p:spTgt spid="4"/>
+                                        </p:tgtEl>
+                                        <p:attrNameLst>
+                                          <p:attrName>style.visibility</p:attrName>
+                                        </p:attrNameLst>
+                                      </p:cBhvr>
+                                      <p:to>
+                                        <p:strVal val="visible"/>
+                                      </p:to>
+                                    </p:set>
+                                  </p:childTnLst>
+                                </p:cTn>
+                              </p:par>
+                              <p:par>
+                                <p:cTn id="9" presetID="1" presetClass="entr" presetSubtype="0" fill="hold" grpId="0" nodeType="withEffect">
+                                  <p:stCondLst>
+                                    <p:cond delay="0"/>
+                                  </p:stCondLst>
+                                  <p:childTnLst>
+                                    <p:set>
+                                      <p:cBhvr>
+                                        <p:cTn id="10" dur="1" fill="hold">
+                                          <p:stCondLst>
+                                            <p:cond delay="0"/>
+                                          </p:stCondLst>
+                                        </p:cTn>
+                                        <p:tgtEl>
+                                          <p:spTgt spid="12"/>
+                                        </p:tgtEl>
+                                        <p:attrNameLst>
+                                          <p:attrName>style.visibility</p:attrName>
+                                        </p:attrNameLst>
+                                      </p:cBhvr>
+                                      <p:to>
+                                        <p:strVal val="visible"/>
+                                      </p:to>
+                                    </p:set>
+                                  </p:childTnLst>
+                                </p:cTn>
+                              </p:par>
+                            </p:childTnLst>
+                          </p:cTn>
+                        </p:par>
+                      </p:childTnLst>
+                    </p:cTn>
+                  </p:par>
+                  <p:par>
+                    <p:cTn id="11" fill="hold">
+                      <p:stCondLst>
+                        <p:cond delay="indefinite"/>
+                      </p:stCondLst>
+                      <p:childTnLst>
+                        <p:par>
+                          <p:cTn id="12" fill="hold">
+                            <p:stCondLst>
+                              <p:cond delay="0"/>
+                            </p:stCondLst>
+                            <p:childTnLst>
+                              <p:par>
+                                <p:cTn id="13" presetID="1" presetClass="entr" presetSubtype="0" fill="hold" nodeType="clickEffect">
+                                  <p:stCondLst>
+                                    <p:cond delay="0"/>
+                                  </p:stCondLst>
+                                  <p:childTnLst>
+                                    <p:set>
+                                      <p:cBhvr>
+                                        <p:cTn id="14" dur="1" fill="hold">
+                                          <p:stCondLst>
+                                            <p:cond delay="0"/>
+                                          </p:stCondLst>
+                                        </p:cTn>
+                                        <p:tgtEl>
+                                          <p:spTgt spid="10"/>
+                                        </p:tgtEl>
+                                        <p:attrNameLst>
+                                          <p:attrName>style.visibility</p:attrName>
+                                        </p:attrNameLst>
+                                      </p:cBhvr>
+                                      <p:to>
+                                        <p:strVal val="visible"/>
+                                      </p:to>
+                                    </p:set>
+                                  </p:childTnLst>
+                                </p:cTn>
+                              </p:par>
+                              <p:par>
+                                <p:cTn id="15" presetID="1" presetClass="entr" presetSubtype="0" fill="hold" grpId="0" nodeType="withEffect">
+                                  <p:stCondLst>
+                                    <p:cond delay="0"/>
+                                  </p:stCondLst>
+                                  <p:childTnLst>
+                                    <p:set>
+                                      <p:cBhvr>
+                                        <p:cTn id="16" dur="1" fill="hold">
+                                          <p:stCondLst>
+                                            <p:cond delay="0"/>
+                                          </p:stCondLst>
+                                        </p:cTn>
+                                        <p:tgtEl>
+                                          <p:spTgt spid="11"/>
+                                        </p:tgtEl>
+                                        <p:attrNameLst>
+                                          <p:attrName>style.visibility</p:attrName>
+                                        </p:attrNameLst>
+                                      </p:cBhvr>
+                                      <p:to>
+                                        <p:strVal val="visible"/>
+                                      </p:to>
+                                    </p:set>
+                                  </p:childTnLst>
+                                </p:cTn>
+                              </p:par>
+                            </p:childTnLst>
+                          </p:cTn>
+                        </p:par>
+                      </p:childTnLst>
+                    </p:cTn>
+                  </p:par>
+                </p:childTnLst>
+              </p:cTn>
+              <p:prevCondLst>
+                <p:cond evt="onPrev" delay="0">
+                  <p:tgtEl>
+                    <p:sldTgt/>
+                  </p:tgtEl>
+                </p:cond>
+              </p:prevCondLst>
+              <p:nextCondLst>
+                <p:cond evt="onNext" delay="0">
+                  <p:tgtEl>
+                    <p:sldTgt/>
+                  </p:tgtEl>
+                </p:cond>
+              </p:nextCondLst>
+            </p:seq>
+          </p:childTnLst>
+        </p:cTn>
+      </p:par>
+    </p:tnLst>
+    <p:bldLst>
+      <p:bldP spid="7" grpId="0"/>
+      <p:bldP spid="11" grpId="0"/>
+      <p:bldP spid="12" grpId="0"/>
+    </p:bldLst>
+  </p:timing>
 </p:sld>
 </file>
 
@@ -7485,12 +7960,8 @@
           <a:lstStyle/>
           <a:p>
             <a:r>
-              <a:rPr lang="de-DE" dirty="0" err="1"/>
-              <a:t>Conclusion</a:t>
-            </a:r>
-            <a:r>
               <a:rPr lang="de-DE" dirty="0"/>
-              <a:t>		</a:t>
+              <a:t>Pitch		</a:t>
             </a:r>
           </a:p>
         </p:txBody>
@@ -7511,192 +7982,363 @@
             <p:ph idx="1"/>
           </p:nvPr>
         </p:nvSpPr>
-        <p:spPr/>
-        <p:txBody>
-          <a:bodyPr/>
+        <p:spPr>
+          <a:xfrm>
+            <a:off x="989400" y="1685925"/>
+            <a:ext cx="10213200" cy="4776786"/>
+          </a:xfrm>
+        </p:spPr>
+        <p:txBody>
+          <a:bodyPr>
+            <a:normAutofit/>
+          </a:bodyPr>
           <a:lstStyle/>
           <a:p>
             <a:r>
-              <a:rPr lang="de-DE" dirty="0"/>
+              <a:rPr lang="de-DE" sz="1800" dirty="0" err="1"/>
+              <a:t>Build</a:t>
+            </a:r>
+            <a:r>
+              <a:rPr lang="de-DE" sz="1800" dirty="0"/>
+              <a:t> 4D Tetris </a:t>
+            </a:r>
+            <a:r>
+              <a:rPr lang="de-DE" sz="1800" dirty="0" err="1"/>
+              <a:t>clone</a:t>
+            </a:r>
+            <a:endParaRPr lang="de-DE" sz="1800" dirty="0"/>
+          </a:p>
+          <a:p>
+            <a:r>
+              <a:rPr lang="de-DE" sz="1800" dirty="0" err="1"/>
+              <a:t>Optics</a:t>
+            </a:r>
+            <a:r>
+              <a:rPr lang="de-DE" sz="1800" dirty="0"/>
+              <a:t> </a:t>
+            </a:r>
+            <a:r>
+              <a:rPr lang="de-DE" sz="1800" dirty="0" err="1"/>
+              <a:t>similar</a:t>
+            </a:r>
+            <a:r>
+              <a:rPr lang="de-DE" sz="1800" dirty="0"/>
+              <a:t> to </a:t>
+            </a:r>
+            <a:r>
+              <a:rPr lang="de-DE" sz="1800" dirty="0" err="1"/>
+              <a:t>BlockOut</a:t>
+            </a:r>
+            <a:endParaRPr lang="de-DE" sz="1800" dirty="0"/>
+          </a:p>
+          <a:p>
+            <a:r>
+              <a:rPr lang="de-DE" sz="1800" dirty="0"/>
               <a:t>Building on </a:t>
             </a:r>
             <a:r>
-              <a:rPr lang="de-DE" dirty="0" err="1"/>
+              <a:rPr lang="de-DE" sz="1800" dirty="0" err="1"/>
               <a:t>tested</a:t>
             </a:r>
             <a:r>
-              <a:rPr lang="de-DE" dirty="0"/>
+              <a:rPr lang="de-DE" sz="1800" dirty="0"/>
               <a:t> </a:t>
             </a:r>
             <a:r>
-              <a:rPr lang="de-DE" dirty="0" err="1"/>
+              <a:rPr lang="de-DE" sz="1800" dirty="0" err="1"/>
               <a:t>gameplay</a:t>
             </a:r>
-            <a:endParaRPr lang="de-DE" dirty="0"/>
-          </a:p>
-          <a:p>
-            <a:r>
-              <a:rPr lang="de-DE" dirty="0" err="1"/>
+            <a:r>
+              <a:rPr lang="de-DE" sz="1800" dirty="0"/>
+              <a:t> </a:t>
+            </a:r>
+            <a:r>
+              <a:rPr lang="de-DE" sz="1800" dirty="0">
+                <a:sym typeface="Wingdings" panose="05000000000000000000" pitchFamily="2" charset="2"/>
+              </a:rPr>
+              <a:t> Still </a:t>
+            </a:r>
+            <a:r>
+              <a:rPr lang="de-DE" sz="1800" dirty="0" err="1">
+                <a:sym typeface="Wingdings" panose="05000000000000000000" pitchFamily="2" charset="2"/>
+              </a:rPr>
+              <a:t>beeing</a:t>
+            </a:r>
+            <a:r>
+              <a:rPr lang="de-DE" sz="1800" dirty="0">
+                <a:sym typeface="Wingdings" panose="05000000000000000000" pitchFamily="2" charset="2"/>
+              </a:rPr>
+              <a:t> </a:t>
+            </a:r>
+            <a:r>
+              <a:rPr lang="de-DE" sz="1800" dirty="0" err="1">
+                <a:sym typeface="Wingdings" panose="05000000000000000000" pitchFamily="2" charset="2"/>
+              </a:rPr>
+              <a:t>sold</a:t>
+            </a:r>
+            <a:endParaRPr lang="de-DE" sz="1800" dirty="0"/>
+          </a:p>
+          <a:p>
+            <a:r>
+              <a:rPr lang="de-DE" sz="1800" dirty="0" err="1"/>
               <a:t>Similar</a:t>
             </a:r>
             <a:r>
-              <a:rPr lang="de-DE" dirty="0"/>
+              <a:rPr lang="de-DE" sz="1800" dirty="0"/>
               <a:t> </a:t>
             </a:r>
             <a:r>
-              <a:rPr lang="de-DE" dirty="0" err="1"/>
+              <a:rPr lang="de-DE" sz="1800" dirty="0" err="1"/>
               <a:t>ideas</a:t>
             </a:r>
             <a:r>
-              <a:rPr lang="de-DE" dirty="0"/>
+              <a:rPr lang="de-DE" sz="1800" dirty="0"/>
               <a:t> </a:t>
             </a:r>
             <a:r>
-              <a:rPr lang="de-DE" dirty="0" err="1"/>
+              <a:rPr lang="de-DE" sz="1800" dirty="0" err="1"/>
               <a:t>have</a:t>
             </a:r>
             <a:r>
-              <a:rPr lang="de-DE" dirty="0"/>
+              <a:rPr lang="de-DE" sz="1800" dirty="0"/>
               <a:t> </a:t>
             </a:r>
             <a:r>
-              <a:rPr lang="de-DE" dirty="0" err="1"/>
+              <a:rPr lang="de-DE" sz="1800" dirty="0" err="1"/>
               <a:t>been</a:t>
             </a:r>
             <a:r>
-              <a:rPr lang="de-DE" dirty="0"/>
+              <a:rPr lang="de-DE" sz="1800" dirty="0"/>
               <a:t> </a:t>
             </a:r>
             <a:r>
-              <a:rPr lang="de-DE" dirty="0" err="1"/>
+              <a:rPr lang="de-DE" sz="1800" dirty="0" err="1"/>
               <a:t>tried</a:t>
             </a:r>
             <a:r>
-              <a:rPr lang="de-DE" dirty="0"/>
+              <a:rPr lang="de-DE" sz="1800" dirty="0"/>
               <a:t> but </a:t>
             </a:r>
             <a:r>
-              <a:rPr lang="de-DE" dirty="0" err="1"/>
+              <a:rPr lang="de-DE" sz="1800" dirty="0" err="1"/>
               <a:t>never</a:t>
             </a:r>
             <a:r>
-              <a:rPr lang="de-DE" dirty="0"/>
+              <a:rPr lang="de-DE" sz="1800" dirty="0"/>
               <a:t> </a:t>
             </a:r>
             <a:r>
-              <a:rPr lang="de-DE" dirty="0" err="1"/>
+              <a:rPr lang="de-DE" sz="1800" dirty="0" err="1"/>
               <a:t>succeeded</a:t>
             </a:r>
-            <a:endParaRPr lang="de-DE" dirty="0"/>
-          </a:p>
-          <a:p>
-            <a:r>
-              <a:rPr lang="de-DE" dirty="0"/>
+            <a:r>
+              <a:rPr lang="de-DE" sz="1800" dirty="0"/>
+              <a:t> (4DTris, Frac4D)</a:t>
+            </a:r>
+          </a:p>
+          <a:p>
+            <a:r>
+              <a:rPr lang="de-DE" sz="1800" dirty="0"/>
               <a:t>Building on </a:t>
             </a:r>
             <a:r>
-              <a:rPr lang="de-DE" dirty="0" err="1"/>
+              <a:rPr lang="de-DE" sz="1800" dirty="0" err="1"/>
               <a:t>these</a:t>
             </a:r>
             <a:r>
-              <a:rPr lang="de-DE" dirty="0"/>
+              <a:rPr lang="de-DE" sz="1800" dirty="0"/>
               <a:t> </a:t>
             </a:r>
             <a:r>
-              <a:rPr lang="de-DE" dirty="0" err="1"/>
+              <a:rPr lang="de-DE" sz="1800" dirty="0" err="1"/>
               <a:t>previous</a:t>
             </a:r>
             <a:r>
-              <a:rPr lang="de-DE" dirty="0"/>
+              <a:rPr lang="de-DE" sz="1800" dirty="0"/>
               <a:t> </a:t>
             </a:r>
             <a:r>
-              <a:rPr lang="de-DE" dirty="0" err="1"/>
+              <a:rPr lang="de-DE" sz="1800" dirty="0" err="1"/>
               <a:t>works</a:t>
             </a:r>
             <a:r>
-              <a:rPr lang="de-DE" dirty="0"/>
+              <a:rPr lang="de-DE" sz="1800" dirty="0"/>
               <a:t> </a:t>
             </a:r>
             <a:r>
-              <a:rPr lang="de-DE" dirty="0" err="1"/>
+              <a:rPr lang="de-DE" sz="1800" dirty="0" err="1"/>
               <a:t>we</a:t>
             </a:r>
             <a:r>
-              <a:rPr lang="de-DE" dirty="0"/>
+              <a:rPr lang="de-DE" sz="1800" dirty="0"/>
               <a:t> </a:t>
             </a:r>
             <a:r>
-              <a:rPr lang="de-DE" dirty="0" err="1"/>
+              <a:rPr lang="de-DE" sz="1800" dirty="0" err="1"/>
               <a:t>build</a:t>
             </a:r>
             <a:r>
-              <a:rPr lang="de-DE" dirty="0"/>
+              <a:rPr lang="de-DE" sz="1800" dirty="0"/>
               <a:t> a </a:t>
             </a:r>
             <a:r>
-              <a:rPr lang="de-DE" dirty="0" err="1"/>
+              <a:rPr lang="de-DE" sz="1800" dirty="0" err="1"/>
               <a:t>fun</a:t>
             </a:r>
             <a:r>
-              <a:rPr lang="de-DE" dirty="0"/>
+              <a:rPr lang="de-DE" sz="1800" dirty="0"/>
               <a:t> but </a:t>
             </a:r>
             <a:r>
-              <a:rPr lang="de-DE" dirty="0" err="1"/>
+              <a:rPr lang="de-DE" sz="1800" dirty="0" err="1"/>
               <a:t>complex</a:t>
             </a:r>
             <a:r>
-              <a:rPr lang="de-DE" dirty="0"/>
+              <a:rPr lang="de-DE" sz="1800" dirty="0"/>
               <a:t> game, </a:t>
             </a:r>
             <a:r>
-              <a:rPr lang="de-DE" dirty="0" err="1"/>
+              <a:rPr lang="de-DE" sz="1800" dirty="0" err="1"/>
               <a:t>that</a:t>
             </a:r>
             <a:r>
-              <a:rPr lang="de-DE" dirty="0"/>
+              <a:rPr lang="de-DE" sz="1800" dirty="0"/>
               <a:t> </a:t>
             </a:r>
             <a:r>
-              <a:rPr lang="de-DE" dirty="0" err="1"/>
+              <a:rPr lang="de-DE" sz="1800" dirty="0" err="1"/>
               <a:t>brings</a:t>
             </a:r>
             <a:r>
-              <a:rPr lang="de-DE" dirty="0"/>
+              <a:rPr lang="de-DE" sz="1800" dirty="0"/>
               <a:t> back </a:t>
             </a:r>
             <a:r>
-              <a:rPr lang="de-DE" dirty="0" err="1"/>
+              <a:rPr lang="de-DE" sz="1800" dirty="0" err="1"/>
               <a:t>the</a:t>
             </a:r>
             <a:r>
-              <a:rPr lang="de-DE" dirty="0"/>
+              <a:rPr lang="de-DE" sz="1800" dirty="0"/>
               <a:t> </a:t>
             </a:r>
             <a:r>
-              <a:rPr lang="de-DE" dirty="0" err="1"/>
+              <a:rPr lang="de-DE" sz="1800" dirty="0" err="1"/>
               <a:t>mathy</a:t>
             </a:r>
             <a:r>
-              <a:rPr lang="de-DE" dirty="0"/>
+              <a:rPr lang="de-DE" sz="1800" dirty="0"/>
               <a:t> </a:t>
             </a:r>
             <a:r>
-              <a:rPr lang="de-DE" dirty="0" err="1"/>
+              <a:rPr lang="de-DE" sz="1800" dirty="0" err="1"/>
               <a:t>feeling</a:t>
             </a:r>
             <a:r>
-              <a:rPr lang="de-DE" dirty="0"/>
+              <a:rPr lang="de-DE" sz="1800" dirty="0"/>
               <a:t> </a:t>
             </a:r>
             <a:r>
-              <a:rPr lang="de-DE" dirty="0" err="1"/>
+              <a:rPr lang="de-DE" sz="1800" dirty="0" err="1"/>
               <a:t>into</a:t>
             </a:r>
             <a:r>
-              <a:rPr lang="de-DE" dirty="0"/>
-              <a:t> Tetris</a:t>
+              <a:rPr lang="de-DE" sz="1800" dirty="0"/>
+              <a:t> Tetris, </a:t>
+            </a:r>
+            <a:r>
+              <a:rPr lang="de-DE" sz="1800" dirty="0" err="1"/>
+              <a:t>focus</a:t>
+            </a:r>
+            <a:r>
+              <a:rPr lang="de-DE" sz="1800" dirty="0"/>
+              <a:t> on </a:t>
+            </a:r>
+            <a:r>
+              <a:rPr lang="de-DE" sz="1800" dirty="0" err="1"/>
+              <a:t>teaching</a:t>
+            </a:r>
+            <a:r>
+              <a:rPr lang="de-DE" sz="1800" dirty="0"/>
+              <a:t> </a:t>
+            </a:r>
+            <a:r>
+              <a:rPr lang="de-DE" sz="1800" dirty="0" err="1"/>
+              <a:t>the</a:t>
+            </a:r>
+            <a:r>
+              <a:rPr lang="de-DE" sz="1800" dirty="0"/>
+              <a:t> </a:t>
+            </a:r>
+            <a:r>
+              <a:rPr lang="de-DE" sz="1800" dirty="0" err="1"/>
+              <a:t>player</a:t>
+            </a:r>
+            <a:endParaRPr lang="de-DE" sz="1800" dirty="0"/>
+          </a:p>
+          <a:p>
+            <a:r>
+              <a:rPr lang="de-DE" sz="1800" dirty="0" err="1"/>
+              <a:t>Incorporate</a:t>
+            </a:r>
+            <a:r>
+              <a:rPr lang="de-DE" sz="1800" dirty="0"/>
+              <a:t> feature to </a:t>
+            </a:r>
+            <a:r>
+              <a:rPr lang="de-DE" sz="1800" dirty="0" err="1"/>
+              <a:t>help</a:t>
+            </a:r>
+            <a:r>
+              <a:rPr lang="de-DE" sz="1800" dirty="0"/>
+              <a:t> </a:t>
+            </a:r>
+            <a:r>
+              <a:rPr lang="de-DE" sz="1800" dirty="0" err="1"/>
+              <a:t>future</a:t>
+            </a:r>
+            <a:r>
+              <a:rPr lang="de-DE" sz="1800" dirty="0"/>
+              <a:t> </a:t>
+            </a:r>
+            <a:r>
+              <a:rPr lang="de-DE" sz="1800" dirty="0" err="1"/>
+              <a:t>scientific</a:t>
+            </a:r>
+            <a:r>
+              <a:rPr lang="de-DE" sz="1800" dirty="0"/>
+              <a:t> </a:t>
+            </a:r>
+            <a:r>
+              <a:rPr lang="de-DE" sz="1800" dirty="0" err="1"/>
+              <a:t>work</a:t>
+            </a:r>
+            <a:r>
+              <a:rPr lang="de-DE" sz="1800" dirty="0"/>
+              <a:t> (CSV </a:t>
+            </a:r>
+            <a:r>
+              <a:rPr lang="de-DE" sz="1800" dirty="0" err="1"/>
+              <a:t>export</a:t>
+            </a:r>
+            <a:r>
+              <a:rPr lang="de-DE" sz="1800" dirty="0"/>
+              <a:t> of </a:t>
+            </a:r>
+            <a:r>
+              <a:rPr lang="de-DE" sz="1800" dirty="0" err="1"/>
+              <a:t>input</a:t>
+            </a:r>
+            <a:r>
+              <a:rPr lang="de-DE" sz="1800" dirty="0"/>
+              <a:t> </a:t>
+            </a:r>
+            <a:r>
+              <a:rPr lang="de-DE" sz="1800" dirty="0" err="1"/>
+              <a:t>data</a:t>
+            </a:r>
+            <a:r>
+              <a:rPr lang="de-DE" sz="1800" dirty="0"/>
+              <a:t>…)</a:t>
             </a:r>
           </a:p>
         </p:txBody>
